--- a/Project1-5.pptx
+++ b/Project1-5.pptx
@@ -11300,38 +11300,6 @@
           </a:p>
         </p:txBody>
       </p:sp>
-      <p:sp>
-        <p:nvSpPr>
-          <p:cNvPr id="3" name="Subtitle 2">
-            <a:extLst>
-              <a:ext uri="{FF2B5EF4-FFF2-40B4-BE49-F238E27FC236}">
-                <a16:creationId xmlns:a16="http://schemas.microsoft.com/office/drawing/2014/main" id="{3D44DC5D-8BBB-4696-9077-8958FADC1DA9}"/>
-              </a:ext>
-            </a:extLst>
-          </p:cNvPr>
-          <p:cNvSpPr>
-            <a:spLocks noGrp="1"/>
-          </p:cNvSpPr>
-          <p:nvPr>
-            <p:ph type="subTitle" idx="1"/>
-          </p:nvPr>
-        </p:nvSpPr>
-        <p:spPr>
-          <a:xfrm>
-            <a:off x="1524000" y="4132761"/>
-            <a:ext cx="9144000" cy="943222"/>
-          </a:xfrm>
-        </p:spPr>
-        <p:txBody>
-          <a:bodyPr>
-            <a:normAutofit/>
-          </a:bodyPr>
-          <a:lstStyle/>
-          <a:p>
-            <a:endParaRPr lang="en-GB" dirty="0"/>
-          </a:p>
-        </p:txBody>
-      </p:sp>
     </p:spTree>
     <p:extLst>
       <p:ext uri="{BB962C8B-B14F-4D97-AF65-F5344CB8AC3E}">
@@ -20581,8 +20549,8 @@
         </p:nvSpPr>
         <p:spPr>
           <a:xfrm>
-            <a:off x="4093568" y="817430"/>
-            <a:ext cx="3601642" cy="5505092"/>
+            <a:off x="4093567" y="534390"/>
+            <a:ext cx="3808773" cy="5788132"/>
           </a:xfrm>
           <a:prstGeom prst="rect">
             <a:avLst/>
@@ -20590,7 +20558,7 @@
         </p:spPr>
         <p:txBody>
           <a:bodyPr vert="horz" lIns="91440" tIns="45720" rIns="91440" bIns="45720" rtlCol="0" anchor="ctr">
-            <a:normAutofit/>
+            <a:normAutofit lnSpcReduction="10000"/>
           </a:bodyPr>
           <a:lstStyle/>
           <a:p>
@@ -20648,7 +20616,7 @@
                 <a:latin typeface="Aharoni" panose="02010803020104030203" pitchFamily="2" charset="-79"/>
                 <a:cs typeface="Aharoni" panose="02010803020104030203" pitchFamily="2" charset="-79"/>
               </a:rPr>
-              <a:t>I could not use XGB Regressor and SVM.SVR  due to high numbers of rows</a:t>
+              <a:t>I could not use XGB Regressor and SVM.SVR  due to high numbers of rows and low computing power</a:t>
             </a:r>
           </a:p>
         </p:txBody>
@@ -20723,8 +20691,8 @@
         </p:blipFill>
         <p:spPr>
           <a:xfrm>
-            <a:off x="7576457" y="534390"/>
-            <a:ext cx="4615544" cy="6065951"/>
+            <a:off x="8008219" y="534390"/>
+            <a:ext cx="4183782" cy="6065951"/>
           </a:xfrm>
           <a:prstGeom prst="rect">
             <a:avLst/>
@@ -23755,8 +23723,8 @@
         </p:nvSpPr>
         <p:spPr>
           <a:xfrm>
-            <a:off x="4159730" y="1713297"/>
-            <a:ext cx="4570384" cy="4183874"/>
+            <a:off x="4159729" y="1713297"/>
+            <a:ext cx="7931620" cy="4183874"/>
           </a:xfrm>
           <a:prstGeom prst="rect">
             <a:avLst/>
@@ -23764,7 +23732,7 @@
         </p:spPr>
         <p:txBody>
           <a:bodyPr vert="horz" lIns="91440" tIns="45720" rIns="91440" bIns="45720" rtlCol="0" anchor="ctr">
-            <a:normAutofit fontScale="92500" lnSpcReduction="20000"/>
+            <a:normAutofit/>
           </a:bodyPr>
           <a:lstStyle/>
           <a:p>
@@ -23793,7 +23761,7 @@
                 <a:latin typeface="Aharoni" panose="02010803020104030203" pitchFamily="2" charset="-79"/>
                 <a:cs typeface="Aharoni" panose="02010803020104030203" pitchFamily="2" charset="-79"/>
               </a:rPr>
-              <a:t>One of the reason I believed made my regression model was of is because I could not get historical weather report.</a:t>
+              <a:t>One of the reason I believed made my regression model not to perform well was because I could not get historical weather report.</a:t>
             </a:r>
           </a:p>
           <a:p>
@@ -23848,7 +23816,7 @@
                 <a:latin typeface="Aharoni" panose="02010803020104030203" pitchFamily="2" charset="-79"/>
                 <a:cs typeface="Aharoni" panose="02010803020104030203" pitchFamily="2" charset="-79"/>
               </a:rPr>
-              <a:t> and Grid search on data due to lack of computing power.</a:t>
+              <a:t> and Grid search on my  data due to lack of computing power.</a:t>
             </a:r>
           </a:p>
         </p:txBody>
@@ -26648,7 +26616,7 @@
                 <a:ea typeface="+mj-ea"/>
                 <a:cs typeface="+mj-cs"/>
               </a:rPr>
-              <a:t>Question 1</a:t>
+              <a:t>EDA-Question 1</a:t>
             </a:r>
           </a:p>
         </p:txBody>
@@ -30041,8 +30009,8 @@
         </p:nvSpPr>
         <p:spPr>
           <a:xfrm>
-            <a:off x="625364" y="100562"/>
-            <a:ext cx="3650279" cy="716309"/>
+            <a:off x="150974" y="100562"/>
+            <a:ext cx="3670256" cy="716309"/>
           </a:xfrm>
           <a:prstGeom prst="rect">
             <a:avLst/>
@@ -30062,6 +30030,17 @@
                 <a:spcPts val="600"/>
               </a:spcAft>
             </a:pPr>
+            <a:r>
+              <a:rPr lang="en-US" sz="3600" b="1" dirty="0">
+                <a:solidFill>
+                  <a:schemeClr val="tx1">
+                    <a:lumMod val="85000"/>
+                    <a:lumOff val="15000"/>
+                  </a:schemeClr>
+                </a:solidFill>
+              </a:rPr>
+              <a:t>EDA-</a:t>
+            </a:r>
             <a:r>
               <a:rPr lang="en-US" sz="3600" b="1" dirty="0">
                 <a:solidFill>
@@ -30180,7 +30159,7 @@
                   </a:schemeClr>
                 </a:solidFill>
               </a:rPr>
-              <a:t>The average monthly mean in 2018 is different from that of 2019.</a:t>
+              <a:t>The average monthly departure delay in 2018 is different from that of 2019.</a:t>
             </a:r>
           </a:p>
           <a:p>
@@ -30327,8 +30306,8 @@
         </p:blipFill>
         <p:spPr>
           <a:xfrm>
-            <a:off x="3579779" y="100562"/>
-            <a:ext cx="8461248" cy="6656876"/>
+            <a:off x="3713829" y="100562"/>
+            <a:ext cx="8327198" cy="6656876"/>
           </a:xfrm>
           <a:prstGeom prst="rect">
             <a:avLst/>
@@ -33484,8 +33463,8 @@
         </p:nvSpPr>
         <p:spPr>
           <a:xfrm>
-            <a:off x="625364" y="100562"/>
-            <a:ext cx="3650279" cy="716309"/>
+            <a:off x="205246" y="100562"/>
+            <a:ext cx="4070398" cy="716309"/>
           </a:xfrm>
           <a:prstGeom prst="rect">
             <a:avLst/>
@@ -33505,6 +33484,17 @@
                 <a:spcPts val="600"/>
               </a:spcAft>
             </a:pPr>
+            <a:r>
+              <a:rPr lang="en-US" sz="3600" b="1" dirty="0">
+                <a:solidFill>
+                  <a:schemeClr val="tx1">
+                    <a:lumMod val="85000"/>
+                    <a:lumOff val="15000"/>
+                  </a:schemeClr>
+                </a:solidFill>
+              </a:rPr>
+              <a:t>EDA-</a:t>
+            </a:r>
             <a:r>
               <a:rPr lang="en-US" sz="3600" b="1" dirty="0">
                 <a:solidFill>
@@ -33984,8 +33974,8 @@
         </p:blipFill>
         <p:spPr>
           <a:xfrm>
-            <a:off x="3253839" y="344384"/>
-            <a:ext cx="8859875" cy="6413054"/>
+            <a:off x="3253839" y="714374"/>
+            <a:ext cx="8859875" cy="6043063"/>
           </a:xfrm>
           <a:prstGeom prst="rect">
             <a:avLst/>
@@ -36924,8 +36914,8 @@
         </p:nvSpPr>
         <p:spPr>
           <a:xfrm>
-            <a:off x="649224" y="645106"/>
-            <a:ext cx="3650279" cy="1259894"/>
+            <a:off x="205245" y="317514"/>
+            <a:ext cx="4087293" cy="1259894"/>
           </a:xfrm>
           <a:prstGeom prst="rect">
             <a:avLst/>
@@ -36945,6 +36935,17 @@
                 <a:spcPts val="600"/>
               </a:spcAft>
             </a:pPr>
+            <a:r>
+              <a:rPr lang="en-US" sz="3600" b="1" dirty="0">
+                <a:solidFill>
+                  <a:schemeClr val="tx1">
+                    <a:lumMod val="85000"/>
+                    <a:lumOff val="15000"/>
+                  </a:schemeClr>
+                </a:solidFill>
+              </a:rPr>
+              <a:t>EDA-</a:t>
+            </a:r>
             <a:r>
               <a:rPr lang="en-US" sz="3600" b="1" dirty="0">
                 <a:solidFill>
@@ -37030,8 +37031,8 @@
         </p:nvSpPr>
         <p:spPr>
           <a:xfrm>
-            <a:off x="534820" y="1296131"/>
-            <a:ext cx="2549063" cy="1524096"/>
+            <a:off x="345796" y="1296130"/>
+            <a:ext cx="2738088" cy="2141821"/>
           </a:xfrm>
           <a:prstGeom prst="rect">
             <a:avLst/>
@@ -37055,13 +37056,15 @@
               <a:buChar char=""/>
             </a:pPr>
             <a:r>
-              <a:rPr lang="en-US" sz="1600" dirty="0">
+              <a:rPr lang="en-US" dirty="0">
                 <a:solidFill>
                   <a:schemeClr val="tx1">
                     <a:lumMod val="75000"/>
                     <a:lumOff val="25000"/>
                   </a:schemeClr>
                 </a:solidFill>
+                <a:latin typeface="Aharoni" panose="02010803020104030203" pitchFamily="2" charset="-79"/>
+                <a:cs typeface="Aharoni" panose="02010803020104030203" pitchFamily="2" charset="-79"/>
               </a:rPr>
               <a:t>Most flight have early departure.</a:t>
             </a:r>
@@ -37079,13 +37082,15 @@
               <a:buChar char=""/>
             </a:pPr>
             <a:r>
-              <a:rPr lang="en-US" sz="1600" dirty="0">
+              <a:rPr lang="en-US" dirty="0">
                 <a:solidFill>
                   <a:schemeClr val="tx1">
                     <a:lumMod val="75000"/>
                     <a:lumOff val="25000"/>
                   </a:schemeClr>
                 </a:solidFill>
+                <a:latin typeface="Aharoni" panose="02010803020104030203" pitchFamily="2" charset="-79"/>
+                <a:cs typeface="Aharoni" panose="02010803020104030203" pitchFamily="2" charset="-79"/>
                 <a:sym typeface="Wingdings" panose="05000000000000000000" pitchFamily="2" charset="2"/>
               </a:rPr>
               <a:t>Most flight with delay fly faster</a:t>
@@ -37358,7 +37363,7 @@
         <p:spPr>
           <a:xfrm>
             <a:off x="7800293" y="1174618"/>
-            <a:ext cx="4458240" cy="4406630"/>
+            <a:ext cx="4404976" cy="4826016"/>
           </a:xfrm>
           <a:prstGeom prst="rect">
             <a:avLst/>
@@ -37393,8 +37398,8 @@
         </p:blipFill>
         <p:spPr>
           <a:xfrm>
-            <a:off x="3175590" y="1171412"/>
-            <a:ext cx="4379559" cy="4403440"/>
+            <a:off x="3175590" y="1171411"/>
+            <a:ext cx="4379559" cy="4829223"/>
           </a:xfrm>
           <a:prstGeom prst="rect">
             <a:avLst/>
@@ -43401,8 +43406,8 @@
         </p:nvSpPr>
         <p:spPr>
           <a:xfrm>
-            <a:off x="467903" y="1620042"/>
-            <a:ext cx="4394368" cy="4272382"/>
+            <a:off x="467903" y="1620041"/>
+            <a:ext cx="4394368" cy="4535935"/>
           </a:xfrm>
           <a:prstGeom prst="rect">
             <a:avLst/>
@@ -43410,7 +43415,7 @@
         </p:spPr>
         <p:txBody>
           <a:bodyPr vert="horz" lIns="91440" tIns="45720" rIns="91440" bIns="45720" rtlCol="0">
-            <a:normAutofit/>
+            <a:normAutofit fontScale="92500"/>
           </a:bodyPr>
           <a:lstStyle/>
           <a:p>
@@ -43512,6 +43517,32 @@
                 <a:latin typeface="Aharoni" panose="020B0604020202020204" pitchFamily="2" charset="-79"/>
                 <a:cs typeface="Aharoni" panose="020B0604020202020204" pitchFamily="2" charset="-79"/>
               </a:rPr>
+              <a:t>I check the distribution of each columns on the subsample to confirm it represent the actual data well.</a:t>
+            </a:r>
+          </a:p>
+          <a:p>
+            <a:pPr marL="285750" indent="-285750">
+              <a:spcBef>
+                <a:spcPts val="1000"/>
+              </a:spcBef>
+              <a:buClr>
+                <a:schemeClr val="accent1"/>
+              </a:buClr>
+              <a:buSzPct val="120000"/>
+              <a:buFont typeface="Wingdings 3" charset="2"/>
+              <a:buChar char=""/>
+            </a:pPr>
+            <a:r>
+              <a:rPr lang="en-US" dirty="0">
+                <a:solidFill>
+                  <a:schemeClr val="tx1">
+                    <a:lumMod val="75000"/>
+                    <a:lumOff val="25000"/>
+                  </a:schemeClr>
+                </a:solidFill>
+                <a:latin typeface="Aharoni" panose="020B0604020202020204" pitchFamily="2" charset="-79"/>
+                <a:cs typeface="Aharoni" panose="020B0604020202020204" pitchFamily="2" charset="-79"/>
+              </a:rPr>
               <a:t>The </a:t>
             </a:r>
             <a:r>
@@ -43537,7 +43568,7 @@
                 <a:latin typeface="Aharoni" panose="020B0604020202020204" pitchFamily="2" charset="-79"/>
                 <a:cs typeface="Aharoni" panose="020B0604020202020204" pitchFamily="2" charset="-79"/>
               </a:rPr>
-              <a:t>was further reduced to </a:t>
+              <a:t>columns was further reduced to </a:t>
             </a:r>
             <a:r>
               <a:rPr lang="en-US" dirty="0">
@@ -43562,7 +43593,7 @@
                 <a:latin typeface="Aharoni" panose="020B0604020202020204" pitchFamily="2" charset="-79"/>
                 <a:cs typeface="Aharoni" panose="020B0604020202020204" pitchFamily="2" charset="-79"/>
               </a:rPr>
-              <a:t>because some of them where highly corrected like </a:t>
+              <a:t>because some of them where highly correlated like </a:t>
             </a:r>
             <a:r>
               <a:rPr lang="en-US" dirty="0" err="1">
@@ -43614,7 +43645,7 @@
                 <a:latin typeface="Aharoni" panose="020B0604020202020204" pitchFamily="2" charset="-79"/>
                 <a:cs typeface="Aharoni" panose="020B0604020202020204" pitchFamily="2" charset="-79"/>
               </a:rPr>
-              <a:t>_ name </a:t>
+              <a:t>_ name etc. </a:t>
             </a:r>
           </a:p>
           <a:p>
@@ -43640,7 +43671,7 @@
                 <a:latin typeface="Aharoni" panose="020B0604020202020204" pitchFamily="2" charset="-79"/>
                 <a:cs typeface="Aharoni" panose="020B0604020202020204" pitchFamily="2" charset="-79"/>
               </a:rPr>
-              <a:t>checked for missing data and distribution(</a:t>
+              <a:t>I checked for missing </a:t>
             </a:r>
             <a:r>
               <a:rPr lang="en-US" dirty="0" err="1">
@@ -43653,21 +43684,18 @@
                 <a:latin typeface="Aharoni" panose="020B0604020202020204" pitchFamily="2" charset="-79"/>
                 <a:cs typeface="Aharoni" panose="020B0604020202020204" pitchFamily="2" charset="-79"/>
               </a:rPr>
-              <a:t>i.e</a:t>
+              <a:t>datas</a:t>
             </a:r>
-            <a:r>
-              <a:rPr lang="en-US" dirty="0">
-                <a:solidFill>
-                  <a:schemeClr val="tx1">
-                    <a:lumMod val="75000"/>
-                    <a:lumOff val="25000"/>
-                  </a:schemeClr>
-                </a:solidFill>
-                <a:latin typeface="Aharoni" panose="020B0604020202020204" pitchFamily="2" charset="-79"/>
-                <a:cs typeface="Aharoni" panose="020B0604020202020204" pitchFamily="2" charset="-79"/>
-              </a:rPr>
-              <a:t> the sample represent the whole well).</a:t>
-            </a:r>
+            <a:endParaRPr lang="en-US" dirty="0">
+              <a:solidFill>
+                <a:schemeClr val="tx1">
+                  <a:lumMod val="75000"/>
+                  <a:lumOff val="25000"/>
+                </a:schemeClr>
+              </a:solidFill>
+              <a:latin typeface="Aharoni" panose="020B0604020202020204" pitchFamily="2" charset="-79"/>
+              <a:cs typeface="Aharoni" panose="020B0604020202020204" pitchFamily="2" charset="-79"/>
+            </a:endParaRPr>
           </a:p>
           <a:p>
             <a:pPr marL="285750" indent="-285750">
@@ -43681,6 +43709,19 @@
               <a:buFont typeface="Wingdings 3" charset="2"/>
               <a:buChar char=""/>
             </a:pPr>
+            <a:r>
+              <a:rPr lang="en-US" dirty="0">
+                <a:solidFill>
+                  <a:schemeClr val="tx1">
+                    <a:lumMod val="75000"/>
+                    <a:lumOff val="25000"/>
+                  </a:schemeClr>
+                </a:solidFill>
+                <a:latin typeface="Aharoni" panose="020B0604020202020204" pitchFamily="2" charset="-79"/>
+                <a:cs typeface="Aharoni" panose="020B0604020202020204" pitchFamily="2" charset="-79"/>
+              </a:rPr>
+              <a:t>I used </a:t>
+            </a:r>
             <a:r>
               <a:rPr lang="en-US" dirty="0" err="1">
                 <a:solidFill>
@@ -43731,7 +43772,7 @@
                 <a:latin typeface="Aharoni" panose="020B0604020202020204" pitchFamily="2" charset="-79"/>
                 <a:cs typeface="Aharoni" panose="020B0604020202020204" pitchFamily="2" charset="-79"/>
               </a:rPr>
-              <a:t> </a:t>
+              <a:t> for visual inspection of the data sample.</a:t>
             </a:r>
           </a:p>
           <a:p>
@@ -44009,8 +44050,8 @@
         </p:nvSpPr>
         <p:spPr>
           <a:xfrm>
-            <a:off x="744003" y="1000657"/>
-            <a:ext cx="3724057" cy="400110"/>
+            <a:off x="655529" y="1000657"/>
+            <a:ext cx="3812532" cy="461665"/>
           </a:xfrm>
           <a:prstGeom prst="rect">
             <a:avLst/>
@@ -44024,13 +44065,15 @@
           <a:lstStyle/>
           <a:p>
             <a:r>
-              <a:rPr lang="en-US" sz="2000" dirty="0">
-                <a:latin typeface="+mj-lt"/>
+              <a:rPr lang="en-US" sz="2400" dirty="0">
+                <a:latin typeface="Aharoni" panose="02010803020104030203" pitchFamily="2" charset="-79"/>
+                <a:cs typeface="Aharoni" panose="02010803020104030203" pitchFamily="2" charset="-79"/>
               </a:rPr>
               <a:t>Data Wrangling </a:t>
             </a:r>
-            <a:endParaRPr lang="en-GB" sz="2000" dirty="0">
-              <a:latin typeface="+mj-lt"/>
+            <a:endParaRPr lang="en-GB" sz="2400" dirty="0">
+              <a:latin typeface="Aharoni" panose="02010803020104030203" pitchFamily="2" charset="-79"/>
+              <a:cs typeface="Aharoni" panose="02010803020104030203" pitchFamily="2" charset="-79"/>
             </a:endParaRPr>
           </a:p>
         </p:txBody>
@@ -44201,15 +44244,33 @@
                                   </p:childTnLst>
                                 </p:cTn>
                               </p:par>
+                            </p:childTnLst>
+                          </p:cTn>
+                        </p:par>
+                      </p:childTnLst>
+                    </p:cTn>
+                  </p:par>
+                  <p:par>
+                    <p:cTn id="10" fill="hold">
+                      <p:stCondLst>
+                        <p:cond delay="indefinite"/>
+                      </p:stCondLst>
+                      <p:childTnLst>
+                        <p:par>
+                          <p:cTn id="11" fill="hold">
+                            <p:stCondLst>
+                              <p:cond delay="0"/>
+                            </p:stCondLst>
+                            <p:childTnLst>
                               <p:par>
-                                <p:cTn id="10" presetID="42" presetClass="entr" presetSubtype="0" fill="hold" nodeType="withEffect">
+                                <p:cTn id="12" presetID="42" presetClass="entr" presetSubtype="0" fill="hold" nodeType="clickEffect">
                                   <p:stCondLst>
                                     <p:cond delay="0"/>
                                   </p:stCondLst>
                                   <p:childTnLst>
                                     <p:set>
                                       <p:cBhvr>
-                                        <p:cTn id="11" dur="1" fill="hold">
+                                        <p:cTn id="13" dur="1" fill="hold">
                                           <p:stCondLst>
                                             <p:cond delay="0"/>
                                           </p:stCondLst>
@@ -44231,7 +44292,7 @@
                                     </p:set>
                                     <p:animEffect transition="in" filter="fade">
                                       <p:cBhvr>
-                                        <p:cTn id="12" dur="1000"/>
+                                        <p:cTn id="14" dur="1000"/>
                                         <p:tgtEl>
                                           <p:spTgt spid="8">
                                             <p:txEl>
@@ -44243,7 +44304,7 @@
                                     </p:animEffect>
                                     <p:anim calcmode="lin" valueType="num">
                                       <p:cBhvr>
-                                        <p:cTn id="13" dur="1000" fill="hold"/>
+                                        <p:cTn id="15" dur="1000" fill="hold"/>
                                         <p:tgtEl>
                                           <p:spTgt spid="8">
                                             <p:txEl>
@@ -44270,7 +44331,7 @@
                                     </p:anim>
                                     <p:anim calcmode="lin" valueType="num">
                                       <p:cBhvr>
-                                        <p:cTn id="14" dur="1000" fill="hold"/>
+                                        <p:cTn id="16" dur="1000" fill="hold"/>
                                         <p:tgtEl>
                                           <p:spTgt spid="8">
                                             <p:txEl>
@@ -44298,26 +44359,8 @@
                                   </p:childTnLst>
                                 </p:cTn>
                               </p:par>
-                            </p:childTnLst>
-                          </p:cTn>
-                        </p:par>
-                      </p:childTnLst>
-                    </p:cTn>
-                  </p:par>
-                  <p:par>
-                    <p:cTn id="15" fill="hold">
-                      <p:stCondLst>
-                        <p:cond delay="indefinite"/>
-                      </p:stCondLst>
-                      <p:childTnLst>
-                        <p:par>
-                          <p:cTn id="16" fill="hold">
-                            <p:stCondLst>
-                              <p:cond delay="0"/>
-                            </p:stCondLst>
-                            <p:childTnLst>
                               <p:par>
-                                <p:cTn id="17" presetID="42" presetClass="entr" presetSubtype="0" fill="hold" nodeType="clickEffect">
+                                <p:cTn id="17" presetID="42" presetClass="entr" presetSubtype="0" fill="hold" nodeType="withEffect">
                                   <p:stCondLst>
                                     <p:cond delay="0"/>
                                   </p:stCondLst>
@@ -44413,15 +44456,33 @@
                                   </p:childTnLst>
                                 </p:cTn>
                               </p:par>
+                            </p:childTnLst>
+                          </p:cTn>
+                        </p:par>
+                      </p:childTnLst>
+                    </p:cTn>
+                  </p:par>
+                  <p:par>
+                    <p:cTn id="22" fill="hold">
+                      <p:stCondLst>
+                        <p:cond delay="indefinite"/>
+                      </p:stCondLst>
+                      <p:childTnLst>
+                        <p:par>
+                          <p:cTn id="23" fill="hold">
+                            <p:stCondLst>
+                              <p:cond delay="0"/>
+                            </p:stCondLst>
+                            <p:childTnLst>
                               <p:par>
-                                <p:cTn id="22" presetID="42" presetClass="entr" presetSubtype="0" fill="hold" nodeType="withEffect">
+                                <p:cTn id="24" presetID="42" presetClass="entr" presetSubtype="0" fill="hold" nodeType="clickEffect">
                                   <p:stCondLst>
                                     <p:cond delay="0"/>
                                   </p:stCondLst>
                                   <p:childTnLst>
                                     <p:set>
                                       <p:cBhvr>
-                                        <p:cTn id="23" dur="1" fill="hold">
+                                        <p:cTn id="25" dur="1" fill="hold">
                                           <p:stCondLst>
                                             <p:cond delay="0"/>
                                           </p:stCondLst>
@@ -44443,7 +44504,7 @@
                                     </p:set>
                                     <p:animEffect transition="in" filter="fade">
                                       <p:cBhvr>
-                                        <p:cTn id="24" dur="1000"/>
+                                        <p:cTn id="26" dur="1000"/>
                                         <p:tgtEl>
                                           <p:spTgt spid="8">
                                             <p:txEl>
@@ -44455,7 +44516,7 @@
                                     </p:animEffect>
                                     <p:anim calcmode="lin" valueType="num">
                                       <p:cBhvr>
-                                        <p:cTn id="25" dur="1000" fill="hold"/>
+                                        <p:cTn id="27" dur="1000" fill="hold"/>
                                         <p:tgtEl>
                                           <p:spTgt spid="8">
                                             <p:txEl>
@@ -44482,11 +44543,126 @@
                                     </p:anim>
                                     <p:anim calcmode="lin" valueType="num">
                                       <p:cBhvr>
-                                        <p:cTn id="26" dur="1000" fill="hold"/>
+                                        <p:cTn id="28" dur="1000" fill="hold"/>
                                         <p:tgtEl>
                                           <p:spTgt spid="8">
                                             <p:txEl>
                                               <p:pRg st="3" end="3"/>
+                                            </p:txEl>
+                                          </p:spTgt>
+                                        </p:tgtEl>
+                                        <p:attrNameLst>
+                                          <p:attrName>ppt_y</p:attrName>
+                                        </p:attrNameLst>
+                                      </p:cBhvr>
+                                      <p:tavLst>
+                                        <p:tav tm="0">
+                                          <p:val>
+                                            <p:strVal val="#ppt_y+.1"/>
+                                          </p:val>
+                                        </p:tav>
+                                        <p:tav tm="100000">
+                                          <p:val>
+                                            <p:strVal val="#ppt_y"/>
+                                          </p:val>
+                                        </p:tav>
+                                      </p:tavLst>
+                                    </p:anim>
+                                  </p:childTnLst>
+                                </p:cTn>
+                              </p:par>
+                            </p:childTnLst>
+                          </p:cTn>
+                        </p:par>
+                      </p:childTnLst>
+                    </p:cTn>
+                  </p:par>
+                  <p:par>
+                    <p:cTn id="29" fill="hold">
+                      <p:stCondLst>
+                        <p:cond delay="indefinite"/>
+                      </p:stCondLst>
+                      <p:childTnLst>
+                        <p:par>
+                          <p:cTn id="30" fill="hold">
+                            <p:stCondLst>
+                              <p:cond delay="0"/>
+                            </p:stCondLst>
+                            <p:childTnLst>
+                              <p:par>
+                                <p:cTn id="31" presetID="42" presetClass="entr" presetSubtype="0" fill="hold" nodeType="clickEffect">
+                                  <p:stCondLst>
+                                    <p:cond delay="0"/>
+                                  </p:stCondLst>
+                                  <p:childTnLst>
+                                    <p:set>
+                                      <p:cBhvr>
+                                        <p:cTn id="32" dur="1" fill="hold">
+                                          <p:stCondLst>
+                                            <p:cond delay="0"/>
+                                          </p:stCondLst>
+                                        </p:cTn>
+                                        <p:tgtEl>
+                                          <p:spTgt spid="8">
+                                            <p:txEl>
+                                              <p:pRg st="4" end="4"/>
+                                            </p:txEl>
+                                          </p:spTgt>
+                                        </p:tgtEl>
+                                        <p:attrNameLst>
+                                          <p:attrName>style.visibility</p:attrName>
+                                        </p:attrNameLst>
+                                      </p:cBhvr>
+                                      <p:to>
+                                        <p:strVal val="visible"/>
+                                      </p:to>
+                                    </p:set>
+                                    <p:animEffect transition="in" filter="fade">
+                                      <p:cBhvr>
+                                        <p:cTn id="33" dur="1000"/>
+                                        <p:tgtEl>
+                                          <p:spTgt spid="8">
+                                            <p:txEl>
+                                              <p:pRg st="4" end="4"/>
+                                            </p:txEl>
+                                          </p:spTgt>
+                                        </p:tgtEl>
+                                      </p:cBhvr>
+                                    </p:animEffect>
+                                    <p:anim calcmode="lin" valueType="num">
+                                      <p:cBhvr>
+                                        <p:cTn id="34" dur="1000" fill="hold"/>
+                                        <p:tgtEl>
+                                          <p:spTgt spid="8">
+                                            <p:txEl>
+                                              <p:pRg st="4" end="4"/>
+                                            </p:txEl>
+                                          </p:spTgt>
+                                        </p:tgtEl>
+                                        <p:attrNameLst>
+                                          <p:attrName>ppt_x</p:attrName>
+                                        </p:attrNameLst>
+                                      </p:cBhvr>
+                                      <p:tavLst>
+                                        <p:tav tm="0">
+                                          <p:val>
+                                            <p:strVal val="#ppt_x"/>
+                                          </p:val>
+                                        </p:tav>
+                                        <p:tav tm="100000">
+                                          <p:val>
+                                            <p:strVal val="#ppt_x"/>
+                                          </p:val>
+                                        </p:tav>
+                                      </p:tavLst>
+                                    </p:anim>
+                                    <p:anim calcmode="lin" valueType="num">
+                                      <p:cBhvr>
+                                        <p:cTn id="35" dur="1000" fill="hold"/>
+                                        <p:tgtEl>
+                                          <p:spTgt spid="8">
+                                            <p:txEl>
+                                              <p:pRg st="4" end="4"/>
                                             </p:txEl>
                                           </p:spTgt>
                                         </p:tgtEl>
@@ -47281,33 +47457,7 @@
                 <a:latin typeface="Aharoni" panose="020B0604020202020204" pitchFamily="2" charset="-79"/>
                 <a:cs typeface="Aharoni" panose="020B0604020202020204" pitchFamily="2" charset="-79"/>
               </a:rPr>
-              <a:t>Label Encoder and </a:t>
-            </a:r>
-            <a:r>
-              <a:rPr lang="en-US" dirty="0" err="1">
-                <a:solidFill>
-                  <a:schemeClr val="tx1">
-                    <a:lumMod val="75000"/>
-                    <a:lumOff val="25000"/>
-                  </a:schemeClr>
-                </a:solidFill>
-                <a:latin typeface="Aharoni" panose="020B0604020202020204" pitchFamily="2" charset="-79"/>
-                <a:cs typeface="Aharoni" panose="020B0604020202020204" pitchFamily="2" charset="-79"/>
-              </a:rPr>
-              <a:t>get_dummies</a:t>
-            </a:r>
-            <a:r>
-              <a:rPr lang="en-US" dirty="0">
-                <a:solidFill>
-                  <a:schemeClr val="tx1">
-                    <a:lumMod val="75000"/>
-                    <a:lumOff val="25000"/>
-                  </a:schemeClr>
-                </a:solidFill>
-                <a:latin typeface="Aharoni" panose="020B0604020202020204" pitchFamily="2" charset="-79"/>
-                <a:cs typeface="Aharoni" panose="020B0604020202020204" pitchFamily="2" charset="-79"/>
-              </a:rPr>
-              <a:t> variable</a:t>
+              <a:t>Label Encoder and one hot encoding of  variable</a:t>
             </a:r>
           </a:p>
           <a:p>
